--- a/notebooks/community-labs/Community Lab - Encoders for CNN.pptx
+++ b/notebooks/community-labs/Community Lab - Encoders for CNN.pptx
@@ -8022,7 +8022,7 @@
                   <a:srgbClr val="FFFFFF"/>
                 </a:highlight>
               </a:rPr>
-              <a:t>Blah Blah</a:t>
+              <a:t>Encoders for CNN</a:t>
             </a:r>
             <a:endParaRPr b="1" sz="3000">
               <a:solidFill>
